--- a/christe_anthony_defense.pptx
+++ b/christe_anthony_defense.pptx
@@ -12612,7 +12612,7 @@
             <a:pPr lvl="1"/>
             <a:r>
               <a:rPr lang="en-US" dirty="0"/>
-              <a:t>Napali </a:t>
+              <a:t>Makai/Napali </a:t>
             </a:r>
           </a:p>
           <a:p>
@@ -12707,31 +12707,95 @@
           </a:p>
         </p:txBody>
       </p:sp>
-      <p:sp>
-        <p:nvSpPr>
-          <p:cNvPr id="3" name="Content Placeholder 2">
+      <p:pic>
+        <p:nvPicPr>
+          <p:cNvPr id="5" name="Content Placeholder 4" descr="A close up of electronics&#10;&#10;Description automatically generated">
             <a:extLst>
               <a:ext uri="{FF2B5EF4-FFF2-40B4-BE49-F238E27FC236}">
-                <a16:creationId xmlns:a16="http://schemas.microsoft.com/office/drawing/2014/main" id="{5C4B99A8-7B37-D047-A20D-FA5A60D339B5}"/>
+                <a16:creationId xmlns:a16="http://schemas.microsoft.com/office/drawing/2014/main" id="{B4008749-8457-824A-8BC0-0A17634FE2B3}"/>
               </a:ext>
             </a:extLst>
           </p:cNvPr>
-          <p:cNvSpPr>
-            <a:spLocks noGrp="1"/>
-          </p:cNvSpPr>
+          <p:cNvPicPr>
+            <a:picLocks noGrp="1" noChangeAspect="1"/>
+          </p:cNvPicPr>
           <p:nvPr>
             <p:ph idx="1"/>
           </p:nvPr>
-        </p:nvSpPr>
-        <p:spPr/>
-        <p:txBody>
-          <a:bodyPr/>
-          <a:lstStyle/>
-          <a:p>
-            <a:endParaRPr lang="en-US"/>
-          </a:p>
-        </p:txBody>
-      </p:sp>
+        </p:nvPicPr>
+        <p:blipFill>
+          <a:blip r:embed="rId2"/>
+          <a:stretch>
+            <a:fillRect/>
+          </a:stretch>
+        </p:blipFill>
+        <p:spPr>
+          <a:xfrm>
+            <a:off x="7636939" y="2012636"/>
+            <a:ext cx="4419960" cy="4419960"/>
+          </a:xfrm>
+        </p:spPr>
+      </p:pic>
+      <p:pic>
+        <p:nvPicPr>
+          <p:cNvPr id="7" name="Picture 6" descr="A screenshot of a cell phone&#10;&#10;Description automatically generated">
+            <a:extLst>
+              <a:ext uri="{FF2B5EF4-FFF2-40B4-BE49-F238E27FC236}">
+                <a16:creationId xmlns:a16="http://schemas.microsoft.com/office/drawing/2014/main" id="{0E51DC26-C448-1F4C-81CC-5450018AEEDA}"/>
+              </a:ext>
+            </a:extLst>
+          </p:cNvPr>
+          <p:cNvPicPr>
+            <a:picLocks noChangeAspect="1"/>
+          </p:cNvPicPr>
+          <p:nvPr/>
+        </p:nvPicPr>
+        <p:blipFill>
+          <a:blip r:embed="rId3"/>
+          <a:stretch>
+            <a:fillRect/>
+          </a:stretch>
+        </p:blipFill>
+        <p:spPr>
+          <a:xfrm>
+            <a:off x="801653" y="3239480"/>
+            <a:ext cx="5599146" cy="3534861"/>
+          </a:xfrm>
+          <a:prstGeom prst="rect">
+            <a:avLst/>
+          </a:prstGeom>
+        </p:spPr>
+      </p:pic>
+      <p:pic>
+        <p:nvPicPr>
+          <p:cNvPr id="9" name="Picture 8" descr="A screenshot of a cell phone&#10;&#10;Description automatically generated">
+            <a:extLst>
+              <a:ext uri="{FF2B5EF4-FFF2-40B4-BE49-F238E27FC236}">
+                <a16:creationId xmlns:a16="http://schemas.microsoft.com/office/drawing/2014/main" id="{CD57B8B5-104B-8445-A3E3-07C472F8D716}"/>
+              </a:ext>
+            </a:extLst>
+          </p:cNvPr>
+          <p:cNvPicPr>
+            <a:picLocks noChangeAspect="1"/>
+          </p:cNvPicPr>
+          <p:nvPr/>
+        </p:nvPicPr>
+        <p:blipFill>
+          <a:blip r:embed="rId4"/>
+          <a:stretch>
+            <a:fillRect/>
+          </a:stretch>
+        </p:blipFill>
+        <p:spPr>
+          <a:xfrm>
+            <a:off x="318655" y="1936173"/>
+            <a:ext cx="7213600" cy="1193800"/>
+          </a:xfrm>
+          <a:prstGeom prst="rect">
+            <a:avLst/>
+          </a:prstGeom>
+        </p:spPr>
+      </p:pic>
     </p:spTree>
     <p:extLst>
       <p:ext uri="{BB962C8B-B14F-4D97-AF65-F5344CB8AC3E}">
@@ -12785,41 +12849,47 @@
           <a:p>
             <a:r>
               <a:rPr lang="en-US" dirty="0"/>
-              <a:t>OPQ: </a:t>
-            </a:r>
-            <a:r>
-              <a:rPr lang="en-US" dirty="0" err="1"/>
-              <a:t>napali</a:t>
-            </a:r>
-            <a:endParaRPr lang="en-US" dirty="0"/>
-          </a:p>
-        </p:txBody>
-      </p:sp>
-      <p:sp>
-        <p:nvSpPr>
-          <p:cNvPr id="3" name="Content Placeholder 2">
+              <a:t>OPQ: Makai/napali</a:t>
+            </a:r>
+          </a:p>
+        </p:txBody>
+      </p:sp>
+      <p:pic>
+        <p:nvPicPr>
+          <p:cNvPr id="5" name="Graphic 4">
             <a:extLst>
               <a:ext uri="{FF2B5EF4-FFF2-40B4-BE49-F238E27FC236}">
-                <a16:creationId xmlns:a16="http://schemas.microsoft.com/office/drawing/2014/main" id="{7344351F-A88C-6049-8C2D-CEB822E52CE9}"/>
+                <a16:creationId xmlns:a16="http://schemas.microsoft.com/office/drawing/2014/main" id="{D464BA36-1D58-1D4D-85E4-769EDF442E5E}"/>
               </a:ext>
             </a:extLst>
           </p:cNvPr>
-          <p:cNvSpPr>
-            <a:spLocks noGrp="1"/>
-          </p:cNvSpPr>
-          <p:nvPr>
-            <p:ph idx="1"/>
-          </p:nvPr>
-        </p:nvSpPr>
-        <p:spPr/>
-        <p:txBody>
-          <a:bodyPr/>
-          <a:lstStyle/>
-          <a:p>
-            <a:endParaRPr lang="en-US"/>
-          </a:p>
-        </p:txBody>
-      </p:sp>
+          <p:cNvPicPr>
+            <a:picLocks noChangeAspect="1"/>
+          </p:cNvPicPr>
+          <p:nvPr/>
+        </p:nvPicPr>
+        <p:blipFill>
+          <a:blip r:embed="rId2">
+            <a:extLst>
+              <a:ext uri="{96DAC541-7B7A-43D3-8B79-37D633B846F1}">
+                <asvg:svgBlip xmlns:asvg="http://schemas.microsoft.com/office/drawing/2016/SVG/main" r:embed="rId3"/>
+              </a:ext>
+            </a:extLst>
+          </a:blip>
+          <a:stretch>
+            <a:fillRect/>
+          </a:stretch>
+        </p:blipFill>
+        <p:spPr>
+          <a:xfrm>
+            <a:off x="1473442" y="1357803"/>
+            <a:ext cx="9241939" cy="4909318"/>
+          </a:xfrm>
+          <a:prstGeom prst="rect">
+            <a:avLst/>
+          </a:prstGeom>
+        </p:spPr>
+      </p:pic>
     </p:spTree>
     <p:extLst>
       <p:ext uri="{BB962C8B-B14F-4D97-AF65-F5344CB8AC3E}">
@@ -14950,7 +15020,7 @@
           <a:p>
             <a:r>
               <a:rPr lang="en-US" dirty="0"/>
-              <a:t>Future work</a:t>
+              <a:t>Future directions</a:t>
             </a:r>
           </a:p>
         </p:txBody>
@@ -14976,7 +15046,40 @@
           <a:bodyPr/>
           <a:lstStyle/>
           <a:p>
-            <a:endParaRPr lang="en-US"/>
+            <a:r>
+              <a:rPr lang="en-US" dirty="0"/>
+              <a:t>Machine learning</a:t>
+            </a:r>
+          </a:p>
+          <a:p>
+            <a:r>
+              <a:rPr lang="en-US" dirty="0"/>
+              <a:t>Modifying windows and thresholds</a:t>
+            </a:r>
+          </a:p>
+          <a:p>
+            <a:r>
+              <a:rPr lang="en-US" dirty="0"/>
+              <a:t>Additional simulations</a:t>
+            </a:r>
+          </a:p>
+          <a:p>
+            <a:r>
+              <a:rPr lang="en-US" dirty="0"/>
+              <a:t>Altering the Level-hierarchy</a:t>
+            </a:r>
+          </a:p>
+          <a:p>
+            <a:r>
+              <a:rPr lang="en-US" dirty="0"/>
+              <a:t>Enhanced metric collection</a:t>
+            </a:r>
+          </a:p>
+          <a:p>
+            <a:r>
+              <a:rPr lang="en-US" dirty="0"/>
+              <a:t>Expanded sensor coverage</a:t>
+            </a:r>
           </a:p>
         </p:txBody>
       </p:sp>
